--- a/Reports/Predictive Hackathon.pptx
+++ b/Reports/Predictive Hackathon.pptx
@@ -23370,8 +23370,27 @@
           <a:p>
             <a:r>
               <a:rPr lang="en-GB" dirty="0"/>
-              <a:t>GitHub Repo for this project available here: [link]</a:t>
+              <a:t>GitHub Repo for this project available here: </a:t>
             </a:r>
+            <a:r>
+              <a:rPr lang="en-GB" dirty="0">
+                <a:hlinkClick r:id="rId2"/>
+              </a:rPr>
+              <a:t>GitHub - LBHF-</a:t>
+            </a:r>
+            <a:r>
+              <a:rPr lang="en-GB" dirty="0" err="1">
+                <a:hlinkClick r:id="rId2"/>
+              </a:rPr>
+              <a:t>JamalFazaldin</a:t>
+            </a:r>
+            <a:r>
+              <a:rPr lang="en-GB" dirty="0">
+                <a:hlinkClick r:id="rId2"/>
+              </a:rPr>
+              <a:t>/MP-Proton-Bank-Model</a:t>
+            </a:r>
+            <a:endParaRPr lang="en-GB" dirty="0"/>
           </a:p>
         </p:txBody>
       </p:sp>
